--- a/Images/Instruction_Screen_FC.pptx
+++ b/Images/Instruction_Screen_FC.pptx
@@ -104,6 +104,11 @@
       </a:defRPr>
     </a:lvl9pPr>
   </p:defaultTextStyle>
+  <p:extLst>
+    <p:ext uri="{EFAFB233-063F-42B5-8137-9DF3F51BA10A}">
+      <p15:sldGuideLst xmlns:p15="http://schemas.microsoft.com/office/powerpoint/2012/main"/>
+    </p:ext>
+  </p:extLst>
 </p:presentation>
 </file>
 
@@ -238,7 +243,7 @@
           <a:p>
             <a:fld id="{195A5C98-B522-41E1-B542-F2D678B8A3D7}" type="datetimeFigureOut">
               <a:rPr lang="en-US" smtClean="0"/>
-              <a:t>1/17/2019</a:t>
+              <a:t>2/12/2019</a:t>
             </a:fld>
             <a:endParaRPr lang="en-US"/>
           </a:p>
@@ -408,7 +413,7 @@
           <a:p>
             <a:fld id="{195A5C98-B522-41E1-B542-F2D678B8A3D7}" type="datetimeFigureOut">
               <a:rPr lang="en-US" smtClean="0"/>
-              <a:t>1/17/2019</a:t>
+              <a:t>2/12/2019</a:t>
             </a:fld>
             <a:endParaRPr lang="en-US"/>
           </a:p>
@@ -588,7 +593,7 @@
           <a:p>
             <a:fld id="{195A5C98-B522-41E1-B542-F2D678B8A3D7}" type="datetimeFigureOut">
               <a:rPr lang="en-US" smtClean="0"/>
-              <a:t>1/17/2019</a:t>
+              <a:t>2/12/2019</a:t>
             </a:fld>
             <a:endParaRPr lang="en-US"/>
           </a:p>
@@ -758,7 +763,7 @@
           <a:p>
             <a:fld id="{195A5C98-B522-41E1-B542-F2D678B8A3D7}" type="datetimeFigureOut">
               <a:rPr lang="en-US" smtClean="0"/>
-              <a:t>1/17/2019</a:t>
+              <a:t>2/12/2019</a:t>
             </a:fld>
             <a:endParaRPr lang="en-US"/>
           </a:p>
@@ -1004,7 +1009,7 @@
           <a:p>
             <a:fld id="{195A5C98-B522-41E1-B542-F2D678B8A3D7}" type="datetimeFigureOut">
               <a:rPr lang="en-US" smtClean="0"/>
-              <a:t>1/17/2019</a:t>
+              <a:t>2/12/2019</a:t>
             </a:fld>
             <a:endParaRPr lang="en-US"/>
           </a:p>
@@ -1236,7 +1241,7 @@
           <a:p>
             <a:fld id="{195A5C98-B522-41E1-B542-F2D678B8A3D7}" type="datetimeFigureOut">
               <a:rPr lang="en-US" smtClean="0"/>
-              <a:t>1/17/2019</a:t>
+              <a:t>2/12/2019</a:t>
             </a:fld>
             <a:endParaRPr lang="en-US"/>
           </a:p>
@@ -1603,7 +1608,7 @@
           <a:p>
             <a:fld id="{195A5C98-B522-41E1-B542-F2D678B8A3D7}" type="datetimeFigureOut">
               <a:rPr lang="en-US" smtClean="0"/>
-              <a:t>1/17/2019</a:t>
+              <a:t>2/12/2019</a:t>
             </a:fld>
             <a:endParaRPr lang="en-US"/>
           </a:p>
@@ -1721,7 +1726,7 @@
           <a:p>
             <a:fld id="{195A5C98-B522-41E1-B542-F2D678B8A3D7}" type="datetimeFigureOut">
               <a:rPr lang="en-US" smtClean="0"/>
-              <a:t>1/17/2019</a:t>
+              <a:t>2/12/2019</a:t>
             </a:fld>
             <a:endParaRPr lang="en-US"/>
           </a:p>
@@ -1816,7 +1821,7 @@
           <a:p>
             <a:fld id="{195A5C98-B522-41E1-B542-F2D678B8A3D7}" type="datetimeFigureOut">
               <a:rPr lang="en-US" smtClean="0"/>
-              <a:t>1/17/2019</a:t>
+              <a:t>2/12/2019</a:t>
             </a:fld>
             <a:endParaRPr lang="en-US"/>
           </a:p>
@@ -2093,7 +2098,7 @@
           <a:p>
             <a:fld id="{195A5C98-B522-41E1-B542-F2D678B8A3D7}" type="datetimeFigureOut">
               <a:rPr lang="en-US" smtClean="0"/>
-              <a:t>1/17/2019</a:t>
+              <a:t>2/12/2019</a:t>
             </a:fld>
             <a:endParaRPr lang="en-US"/>
           </a:p>
@@ -2346,7 +2351,7 @@
           <a:p>
             <a:fld id="{195A5C98-B522-41E1-B542-F2D678B8A3D7}" type="datetimeFigureOut">
               <a:rPr lang="en-US" smtClean="0"/>
-              <a:t>1/17/2019</a:t>
+              <a:t>2/12/2019</a:t>
             </a:fld>
             <a:endParaRPr lang="en-US"/>
           </a:p>
@@ -2559,7 +2564,7 @@
           <a:p>
             <a:fld id="{195A5C98-B522-41E1-B542-F2D678B8A3D7}" type="datetimeFigureOut">
               <a:rPr lang="en-US" smtClean="0"/>
-              <a:t>1/17/2019</a:t>
+              <a:t>2/12/2019</a:t>
             </a:fld>
             <a:endParaRPr lang="en-US"/>
           </a:p>
@@ -3134,7 +3139,7 @@
                 <a:latin typeface="Arial" panose="020B0604020202020204" pitchFamily="34" charset="0"/>
                 <a:cs typeface="Arial" panose="020B0604020202020204" pitchFamily="34" charset="0"/>
               </a:rPr>
-              <a:t>hear</a:t>
+              <a:t>see</a:t>
             </a:r>
             <a:r>
               <a:rPr lang="nb-NO" sz="2400" dirty="0" smtClean="0">
@@ -3418,11 +3423,11 @@
               <a:t> </a:t>
             </a:r>
             <a:r>
-              <a:rPr lang="nb-NO" sz="2400" dirty="0" err="1" smtClean="0">
-                <a:latin typeface="Arial" panose="020B0604020202020204" pitchFamily="34" charset="0"/>
-                <a:cs typeface="Arial" panose="020B0604020202020204" pitchFamily="34" charset="0"/>
-              </a:rPr>
-              <a:t>Lubs</a:t>
+              <a:rPr lang="nb-NO" sz="2400" smtClean="0">
+                <a:latin typeface="Arial" panose="020B0604020202020204" pitchFamily="34" charset="0"/>
+                <a:cs typeface="Arial" panose="020B0604020202020204" pitchFamily="34" charset="0"/>
+              </a:rPr>
+              <a:t>Lub’s</a:t>
             </a:r>
             <a:r>
               <a:rPr lang="nb-NO" sz="2400" dirty="0" smtClean="0">

--- a/Images/Instruction_Screen_FC.pptx
+++ b/Images/Instruction_Screen_FC.pptx
@@ -243,7 +243,7 @@
           <a:p>
             <a:fld id="{195A5C98-B522-41E1-B542-F2D678B8A3D7}" type="datetimeFigureOut">
               <a:rPr lang="en-US" smtClean="0"/>
-              <a:t>2/12/2019</a:t>
+              <a:t>2/13/2019</a:t>
             </a:fld>
             <a:endParaRPr lang="en-US"/>
           </a:p>
@@ -413,7 +413,7 @@
           <a:p>
             <a:fld id="{195A5C98-B522-41E1-B542-F2D678B8A3D7}" type="datetimeFigureOut">
               <a:rPr lang="en-US" smtClean="0"/>
-              <a:t>2/12/2019</a:t>
+              <a:t>2/13/2019</a:t>
             </a:fld>
             <a:endParaRPr lang="en-US"/>
           </a:p>
@@ -593,7 +593,7 @@
           <a:p>
             <a:fld id="{195A5C98-B522-41E1-B542-F2D678B8A3D7}" type="datetimeFigureOut">
               <a:rPr lang="en-US" smtClean="0"/>
-              <a:t>2/12/2019</a:t>
+              <a:t>2/13/2019</a:t>
             </a:fld>
             <a:endParaRPr lang="en-US"/>
           </a:p>
@@ -763,7 +763,7 @@
           <a:p>
             <a:fld id="{195A5C98-B522-41E1-B542-F2D678B8A3D7}" type="datetimeFigureOut">
               <a:rPr lang="en-US" smtClean="0"/>
-              <a:t>2/12/2019</a:t>
+              <a:t>2/13/2019</a:t>
             </a:fld>
             <a:endParaRPr lang="en-US"/>
           </a:p>
@@ -1009,7 +1009,7 @@
           <a:p>
             <a:fld id="{195A5C98-B522-41E1-B542-F2D678B8A3D7}" type="datetimeFigureOut">
               <a:rPr lang="en-US" smtClean="0"/>
-              <a:t>2/12/2019</a:t>
+              <a:t>2/13/2019</a:t>
             </a:fld>
             <a:endParaRPr lang="en-US"/>
           </a:p>
@@ -1241,7 +1241,7 @@
           <a:p>
             <a:fld id="{195A5C98-B522-41E1-B542-F2D678B8A3D7}" type="datetimeFigureOut">
               <a:rPr lang="en-US" smtClean="0"/>
-              <a:t>2/12/2019</a:t>
+              <a:t>2/13/2019</a:t>
             </a:fld>
             <a:endParaRPr lang="en-US"/>
           </a:p>
@@ -1608,7 +1608,7 @@
           <a:p>
             <a:fld id="{195A5C98-B522-41E1-B542-F2D678B8A3D7}" type="datetimeFigureOut">
               <a:rPr lang="en-US" smtClean="0"/>
-              <a:t>2/12/2019</a:t>
+              <a:t>2/13/2019</a:t>
             </a:fld>
             <a:endParaRPr lang="en-US"/>
           </a:p>
@@ -1726,7 +1726,7 @@
           <a:p>
             <a:fld id="{195A5C98-B522-41E1-B542-F2D678B8A3D7}" type="datetimeFigureOut">
               <a:rPr lang="en-US" smtClean="0"/>
-              <a:t>2/12/2019</a:t>
+              <a:t>2/13/2019</a:t>
             </a:fld>
             <a:endParaRPr lang="en-US"/>
           </a:p>
@@ -1821,7 +1821,7 @@
           <a:p>
             <a:fld id="{195A5C98-B522-41E1-B542-F2D678B8A3D7}" type="datetimeFigureOut">
               <a:rPr lang="en-US" smtClean="0"/>
-              <a:t>2/12/2019</a:t>
+              <a:t>2/13/2019</a:t>
             </a:fld>
             <a:endParaRPr lang="en-US"/>
           </a:p>
@@ -2098,7 +2098,7 @@
           <a:p>
             <a:fld id="{195A5C98-B522-41E1-B542-F2D678B8A3D7}" type="datetimeFigureOut">
               <a:rPr lang="en-US" smtClean="0"/>
-              <a:t>2/12/2019</a:t>
+              <a:t>2/13/2019</a:t>
             </a:fld>
             <a:endParaRPr lang="en-US"/>
           </a:p>
@@ -2351,7 +2351,7 @@
           <a:p>
             <a:fld id="{195A5C98-B522-41E1-B542-F2D678B8A3D7}" type="datetimeFigureOut">
               <a:rPr lang="en-US" smtClean="0"/>
-              <a:t>2/12/2019</a:t>
+              <a:t>2/13/2019</a:t>
             </a:fld>
             <a:endParaRPr lang="en-US"/>
           </a:p>
@@ -2564,7 +2564,7 @@
           <a:p>
             <a:fld id="{195A5C98-B522-41E1-B542-F2D678B8A3D7}" type="datetimeFigureOut">
               <a:rPr lang="en-US" smtClean="0"/>
-              <a:t>2/12/2019</a:t>
+              <a:t>2/13/2019</a:t>
             </a:fld>
             <a:endParaRPr lang="en-US"/>
           </a:p>
@@ -3050,25 +3050,25 @@
               <a:t>The </a:t>
             </a:r>
             <a:r>
-              <a:rPr lang="nb-NO" sz="2400" dirty="0" err="1">
-                <a:latin typeface="Arial" panose="020B0604020202020204" pitchFamily="34" charset="0"/>
-                <a:cs typeface="Arial" panose="020B0604020202020204" pitchFamily="34" charset="0"/>
-              </a:rPr>
-              <a:t>L</a:t>
-            </a:r>
-            <a:r>
               <a:rPr lang="nb-NO" sz="2400" dirty="0" err="1" smtClean="0">
                 <a:latin typeface="Arial" panose="020B0604020202020204" pitchFamily="34" charset="0"/>
                 <a:cs typeface="Arial" panose="020B0604020202020204" pitchFamily="34" charset="0"/>
               </a:rPr>
-              <a:t>ub</a:t>
+              <a:t>Lup</a:t>
             </a:r>
             <a:r>
               <a:rPr lang="nb-NO" sz="2400" dirty="0" smtClean="0">
                 <a:latin typeface="Arial" panose="020B0604020202020204" pitchFamily="34" charset="0"/>
                 <a:cs typeface="Arial" panose="020B0604020202020204" pitchFamily="34" charset="0"/>
               </a:rPr>
-              <a:t> has </a:t>
+              <a:t> </a:t>
+            </a:r>
+            <a:r>
+              <a:rPr lang="nb-NO" sz="2400" dirty="0" smtClean="0">
+                <a:latin typeface="Arial" panose="020B0604020202020204" pitchFamily="34" charset="0"/>
+                <a:cs typeface="Arial" panose="020B0604020202020204" pitchFamily="34" charset="0"/>
+              </a:rPr>
+              <a:t>has </a:t>
             </a:r>
             <a:r>
               <a:rPr lang="nb-NO" sz="2400" dirty="0" err="1" smtClean="0">
@@ -3427,7 +3427,7 @@
                 <a:latin typeface="Arial" panose="020B0604020202020204" pitchFamily="34" charset="0"/>
                 <a:cs typeface="Arial" panose="020B0604020202020204" pitchFamily="34" charset="0"/>
               </a:rPr>
-              <a:t>Lub’s</a:t>
+              <a:t>Lup’s</a:t>
             </a:r>
             <a:r>
               <a:rPr lang="nb-NO" sz="2400" dirty="0" smtClean="0">
